--- a/PowerPoints/Modue_4/Using_PredefinedPackage_Other_Classes.pptx
+++ b/PowerPoints/Modue_4/Using_PredefinedPackage_Other_Classes.pptx
@@ -7,6 +7,10 @@
   <p:sldIdLst>
     <p:sldId id="256" r:id="rId2"/>
     <p:sldId id="257" r:id="rId3"/>
+    <p:sldId id="258" r:id="rId4"/>
+    <p:sldId id="259" r:id="rId5"/>
+    <p:sldId id="260" r:id="rId6"/>
+    <p:sldId id="261" r:id="rId7"/>
   </p:sldIdLst>
   <p:sldSz cx="9144000" cy="6858000" type="screen4x3"/>
   <p:notesSz cx="6858000" cy="9144000"/>
@@ -3168,6 +3172,413 @@
               <a:t>https://docs.oracle.com/javase/9/docs/api/java/lang/package-tree.html</a:t>
             </a:r>
             <a:endParaRPr lang="en-US"/>
+          </a:p>
+        </p:txBody>
+      </p:sp>
+    </p:spTree>
+  </p:cSld>
+  <p:clrMapOvr>
+    <a:masterClrMapping/>
+  </p:clrMapOvr>
+</p:sld>
+</file>
+
+<file path=ppt/slides/slide3.xml><?xml version="1.0" encoding="utf-8"?>
+<p:sld xmlns:a="http://schemas.openxmlformats.org/drawingml/2006/main" xmlns:r="http://schemas.openxmlformats.org/officeDocument/2006/relationships" xmlns:p="http://schemas.openxmlformats.org/presentationml/2006/main">
+  <p:cSld>
+    <p:spTree>
+      <p:nvGrpSpPr>
+        <p:cNvPr id="1" name=""/>
+        <p:cNvGrpSpPr/>
+        <p:nvPr/>
+      </p:nvGrpSpPr>
+      <p:grpSpPr>
+        <a:xfrm>
+          <a:off x="0" y="0"/>
+          <a:ext cx="0" cy="0"/>
+          <a:chOff x="0" y="0"/>
+          <a:chExt cx="0" cy="0"/>
+        </a:xfrm>
+      </p:grpSpPr>
+      <p:sp>
+        <p:nvSpPr>
+          <p:cNvPr id="2" name="Title 1"/>
+          <p:cNvSpPr>
+            <a:spLocks noGrp="1"/>
+          </p:cNvSpPr>
+          <p:nvPr>
+            <p:ph type="title"/>
+          </p:nvPr>
+        </p:nvSpPr>
+        <p:spPr/>
+        <p:txBody>
+          <a:bodyPr/>
+          <a:lstStyle/>
+          <a:p>
+            <a:r>
+              <a:rPr lang="en-US" dirty="0" smtClean="0"/>
+              <a:t>Equals method</a:t>
+            </a:r>
+            <a:endParaRPr lang="en-US" dirty="0"/>
+          </a:p>
+        </p:txBody>
+      </p:sp>
+      <p:sp>
+        <p:nvSpPr>
+          <p:cNvPr id="3" name="Content Placeholder 2"/>
+          <p:cNvSpPr>
+            <a:spLocks noGrp="1"/>
+          </p:cNvSpPr>
+          <p:nvPr>
+            <p:ph idx="1"/>
+          </p:nvPr>
+        </p:nvSpPr>
+        <p:spPr/>
+        <p:txBody>
+          <a:bodyPr/>
+          <a:lstStyle/>
+          <a:p>
+            <a:r>
+              <a:rPr lang="en-US" dirty="0" smtClean="0"/>
+              <a:t>The equals() method </a:t>
+            </a:r>
+            <a:r>
+              <a:rPr lang="en-US" b="1" dirty="0" smtClean="0"/>
+              <a:t>compares two strings, and returns true if the strings are equal, and false if </a:t>
+            </a:r>
+            <a:r>
+              <a:rPr lang="en-US" b="1" dirty="0" smtClean="0"/>
+              <a:t>not</a:t>
+            </a:r>
+          </a:p>
+          <a:p>
+            <a:r>
+              <a:rPr lang="en-US" b="1" dirty="0" smtClean="0"/>
+              <a:t>Returns a </a:t>
+            </a:r>
+            <a:r>
+              <a:rPr lang="en-US" b="1" dirty="0" err="1" smtClean="0"/>
+              <a:t>boolean</a:t>
+            </a:r>
+            <a:endParaRPr lang="en-US" b="1" dirty="0" smtClean="0"/>
+          </a:p>
+          <a:p>
+            <a:r>
+              <a:rPr lang="en-US" dirty="0" smtClean="0"/>
+              <a:t>equals() is a method of Object </a:t>
+            </a:r>
+            <a:r>
+              <a:rPr lang="en-US" dirty="0" smtClean="0"/>
+              <a:t>class</a:t>
+            </a:r>
+          </a:p>
+          <a:p>
+            <a:r>
+              <a:rPr lang="en-US" dirty="0" smtClean="0"/>
+              <a:t>content comparison</a:t>
+            </a:r>
+            <a:endParaRPr lang="en-US" dirty="0" smtClean="0"/>
+          </a:p>
+          <a:p>
+            <a:endParaRPr lang="en-US" dirty="0"/>
+          </a:p>
+        </p:txBody>
+      </p:sp>
+    </p:spTree>
+  </p:cSld>
+  <p:clrMapOvr>
+    <a:masterClrMapping/>
+  </p:clrMapOvr>
+</p:sld>
+</file>
+
+<file path=ppt/slides/slide4.xml><?xml version="1.0" encoding="utf-8"?>
+<p:sld xmlns:a="http://schemas.openxmlformats.org/drawingml/2006/main" xmlns:r="http://schemas.openxmlformats.org/officeDocument/2006/relationships" xmlns:p="http://schemas.openxmlformats.org/presentationml/2006/main">
+  <p:cSld>
+    <p:spTree>
+      <p:nvGrpSpPr>
+        <p:cNvPr id="1" name=""/>
+        <p:cNvGrpSpPr/>
+        <p:nvPr/>
+      </p:nvGrpSpPr>
+      <p:grpSpPr>
+        <a:xfrm>
+          <a:off x="0" y="0"/>
+          <a:ext cx="0" cy="0"/>
+          <a:chOff x="0" y="0"/>
+          <a:chExt cx="0" cy="0"/>
+        </a:xfrm>
+      </p:grpSpPr>
+      <p:sp>
+        <p:nvSpPr>
+          <p:cNvPr id="2" name="Title 1"/>
+          <p:cNvSpPr>
+            <a:spLocks noGrp="1"/>
+          </p:cNvSpPr>
+          <p:nvPr>
+            <p:ph type="title"/>
+          </p:nvPr>
+        </p:nvSpPr>
+        <p:spPr/>
+        <p:txBody>
+          <a:bodyPr/>
+          <a:lstStyle/>
+          <a:p>
+            <a:r>
+              <a:rPr lang="en-US" dirty="0" smtClean="0"/>
+              <a:t>==</a:t>
+            </a:r>
+            <a:endParaRPr lang="en-US" dirty="0"/>
+          </a:p>
+        </p:txBody>
+      </p:sp>
+      <p:sp>
+        <p:nvSpPr>
+          <p:cNvPr id="3" name="Content Placeholder 2"/>
+          <p:cNvSpPr>
+            <a:spLocks noGrp="1"/>
+          </p:cNvSpPr>
+          <p:nvPr>
+            <p:ph idx="1"/>
+          </p:nvPr>
+        </p:nvSpPr>
+        <p:spPr/>
+        <p:txBody>
+          <a:bodyPr/>
+          <a:lstStyle/>
+          <a:p>
+            <a:r>
+              <a:rPr lang="en-US" dirty="0" smtClean="0"/>
+              <a:t>It return a </a:t>
+            </a:r>
+            <a:r>
+              <a:rPr lang="en-US" dirty="0" err="1" smtClean="0"/>
+              <a:t>boolean</a:t>
+            </a:r>
+            <a:endParaRPr lang="en-US" dirty="0" smtClean="0"/>
+          </a:p>
+          <a:p>
+            <a:r>
+              <a:rPr lang="en-US" dirty="0" smtClean="0"/>
+              <a:t>== is an operator</a:t>
+            </a:r>
+            <a:r>
+              <a:rPr lang="en-US" dirty="0" smtClean="0"/>
+              <a:t>.</a:t>
+            </a:r>
+          </a:p>
+          <a:p>
+            <a:r>
+              <a:rPr lang="en-US" dirty="0" smtClean="0"/>
+              <a:t>reference comparison</a:t>
+            </a:r>
+            <a:endParaRPr lang="en-US" dirty="0"/>
+          </a:p>
+        </p:txBody>
+      </p:sp>
+    </p:spTree>
+  </p:cSld>
+  <p:clrMapOvr>
+    <a:masterClrMapping/>
+  </p:clrMapOvr>
+</p:sld>
+</file>
+
+<file path=ppt/slides/slide5.xml><?xml version="1.0" encoding="utf-8"?>
+<p:sld xmlns:a="http://schemas.openxmlformats.org/drawingml/2006/main" xmlns:r="http://schemas.openxmlformats.org/officeDocument/2006/relationships" xmlns:p="http://schemas.openxmlformats.org/presentationml/2006/main">
+  <p:cSld>
+    <p:spTree>
+      <p:nvGrpSpPr>
+        <p:cNvPr id="1" name=""/>
+        <p:cNvGrpSpPr/>
+        <p:nvPr/>
+      </p:nvGrpSpPr>
+      <p:grpSpPr>
+        <a:xfrm>
+          <a:off x="0" y="0"/>
+          <a:ext cx="0" cy="0"/>
+          <a:chOff x="0" y="0"/>
+          <a:chExt cx="0" cy="0"/>
+        </a:xfrm>
+      </p:grpSpPr>
+      <p:sp>
+        <p:nvSpPr>
+          <p:cNvPr id="2" name="Title 1"/>
+          <p:cNvSpPr>
+            <a:spLocks noGrp="1"/>
+          </p:cNvSpPr>
+          <p:nvPr>
+            <p:ph type="title"/>
+          </p:nvPr>
+        </p:nvSpPr>
+        <p:spPr/>
+        <p:txBody>
+          <a:bodyPr/>
+          <a:lstStyle/>
+          <a:p>
+            <a:r>
+              <a:rPr lang="en-US" dirty="0" err="1" smtClean="0"/>
+              <a:t>CompareTo</a:t>
+            </a:r>
+            <a:r>
+              <a:rPr lang="en-US" dirty="0" smtClean="0"/>
+              <a:t>()</a:t>
+            </a:r>
+            <a:endParaRPr lang="en-US" dirty="0"/>
+          </a:p>
+        </p:txBody>
+      </p:sp>
+      <p:sp>
+        <p:nvSpPr>
+          <p:cNvPr id="3" name="Content Placeholder 2"/>
+          <p:cNvSpPr>
+            <a:spLocks noGrp="1"/>
+          </p:cNvSpPr>
+          <p:nvPr>
+            <p:ph idx="1"/>
+          </p:nvPr>
+        </p:nvSpPr>
+        <p:spPr/>
+        <p:txBody>
+          <a:bodyPr/>
+          <a:lstStyle/>
+          <a:p>
+            <a:r>
+              <a:rPr lang="en-US" dirty="0" smtClean="0"/>
+              <a:t>Return an </a:t>
+            </a:r>
+            <a:r>
+              <a:rPr lang="en-US" dirty="0" err="1" smtClean="0"/>
+              <a:t>int</a:t>
+            </a:r>
+            <a:endParaRPr lang="en-US" dirty="0" smtClean="0"/>
+          </a:p>
+          <a:p>
+            <a:r>
+              <a:rPr lang="en-US" dirty="0" smtClean="0"/>
+              <a:t>It compares strings on the basis of the Unicode value of each character in the strings</a:t>
+            </a:r>
+            <a:endParaRPr lang="en-US" dirty="0" smtClean="0"/>
+          </a:p>
+          <a:p>
+            <a:r>
+              <a:rPr lang="en-US" b="1" dirty="0" smtClean="0"/>
+              <a:t>if</a:t>
+            </a:r>
+            <a:r>
+              <a:rPr lang="en-US" dirty="0" smtClean="0"/>
+              <a:t> s1 &gt; s2, it returns positive number  </a:t>
+            </a:r>
+          </a:p>
+          <a:p>
+            <a:r>
+              <a:rPr lang="en-US" b="1" dirty="0" smtClean="0"/>
+              <a:t>if</a:t>
+            </a:r>
+            <a:r>
+              <a:rPr lang="en-US" dirty="0" smtClean="0"/>
+              <a:t> s1 &lt; s2, it returns negative number  </a:t>
+            </a:r>
+          </a:p>
+          <a:p>
+            <a:r>
+              <a:rPr lang="en-US" b="1" dirty="0" smtClean="0"/>
+              <a:t>if</a:t>
+            </a:r>
+            <a:r>
+              <a:rPr lang="en-US" dirty="0" smtClean="0"/>
+              <a:t> s1 == s2, it returns 0</a:t>
+            </a:r>
+          </a:p>
+          <a:p>
+            <a:endParaRPr lang="en-US" dirty="0"/>
+          </a:p>
+        </p:txBody>
+      </p:sp>
+    </p:spTree>
+  </p:cSld>
+  <p:clrMapOvr>
+    <a:masterClrMapping/>
+  </p:clrMapOvr>
+</p:sld>
+</file>
+
+<file path=ppt/slides/slide6.xml><?xml version="1.0" encoding="utf-8"?>
+<p:sld xmlns:a="http://schemas.openxmlformats.org/drawingml/2006/main" xmlns:r="http://schemas.openxmlformats.org/officeDocument/2006/relationships" xmlns:p="http://schemas.openxmlformats.org/presentationml/2006/main">
+  <p:cSld>
+    <p:spTree>
+      <p:nvGrpSpPr>
+        <p:cNvPr id="1" name=""/>
+        <p:cNvGrpSpPr/>
+        <p:nvPr/>
+      </p:nvGrpSpPr>
+      <p:grpSpPr>
+        <a:xfrm>
+          <a:off x="0" y="0"/>
+          <a:ext cx="0" cy="0"/>
+          <a:chOff x="0" y="0"/>
+          <a:chExt cx="0" cy="0"/>
+        </a:xfrm>
+      </p:grpSpPr>
+      <p:sp>
+        <p:nvSpPr>
+          <p:cNvPr id="2" name="Title 1"/>
+          <p:cNvSpPr>
+            <a:spLocks noGrp="1"/>
+          </p:cNvSpPr>
+          <p:nvPr>
+            <p:ph type="title"/>
+          </p:nvPr>
+        </p:nvSpPr>
+        <p:spPr/>
+        <p:txBody>
+          <a:bodyPr/>
+          <a:lstStyle/>
+          <a:p>
+            <a:endParaRPr lang="en-US"/>
+          </a:p>
+        </p:txBody>
+      </p:sp>
+      <p:sp>
+        <p:nvSpPr>
+          <p:cNvPr id="3" name="Content Placeholder 2"/>
+          <p:cNvSpPr>
+            <a:spLocks noGrp="1"/>
+          </p:cNvSpPr>
+          <p:nvPr>
+            <p:ph idx="1"/>
+          </p:nvPr>
+        </p:nvSpPr>
+        <p:spPr/>
+        <p:txBody>
+          <a:bodyPr/>
+          <a:lstStyle/>
+          <a:p>
+            <a:r>
+              <a:rPr lang="en-US" dirty="0" smtClean="0"/>
+              <a:t>If the first string is lexicographically greater than the second </a:t>
+            </a:r>
+            <a:r>
+              <a:rPr lang="en-US" dirty="0" smtClean="0"/>
+              <a:t>string POSITIVE </a:t>
+            </a:r>
+          </a:p>
+          <a:p>
+            <a:r>
+              <a:rPr lang="en-US" dirty="0" smtClean="0"/>
+              <a:t>If the first string is less than the second string lexicographically, it returns a </a:t>
+            </a:r>
+            <a:r>
+              <a:rPr lang="en-US" dirty="0" smtClean="0"/>
+              <a:t>NEGATIVE number</a:t>
+            </a:r>
+          </a:p>
+          <a:p>
+            <a:r>
+              <a:rPr lang="en-US" smtClean="0"/>
+              <a:t>if the first string is lexicographically equal to the second string, it returns 0</a:t>
+            </a:r>
+            <a:endParaRPr lang="en-US" dirty="0"/>
           </a:p>
         </p:txBody>
       </p:sp>
